--- a/262 - According to Thy Gracious Word.pptx
+++ b/262 - According to Thy Gracious Word.pptx
@@ -114,10 +114,6 @@
 </p:presentation>
 </file>
 
-<file path=ppt/revisionInfo.xml><?xml version="1.0" encoding="utf-8"?>
-<p1510:revInfo xmlns:a="http://schemas.openxmlformats.org/drawingml/2006/main" xmlns:r="http://schemas.openxmlformats.org/officeDocument/2006/relationships" xmlns:p1510="http://schemas.microsoft.com/office/powerpoint/2015/10/main"/>
-</file>
-
 <file path=ppt/slideLayouts/slideLayout1.xml><?xml version="1.0" encoding="utf-8"?>
 <p:sldLayout xmlns:a="http://schemas.openxmlformats.org/drawingml/2006/main" xmlns:r="http://schemas.openxmlformats.org/officeDocument/2006/relationships" xmlns:p="http://schemas.openxmlformats.org/presentationml/2006/main" type="title" preserve="1">
   <p:cSld name="Title Slide">
@@ -247,7 +243,7 @@
           <a:p>
             <a:fld id="{32F7251A-AE54-443C-B8FE-5F636E835EBF}" type="datetimeFigureOut">
               <a:rPr lang="en-US" smtClean="0"/>
-              <a:t>10/1/2017</a:t>
+              <a:t>9/6/2020</a:t>
             </a:fld>
             <a:endParaRPr lang="en-US"/>
           </a:p>
@@ -415,7 +411,7 @@
           <a:p>
             <a:fld id="{32F7251A-AE54-443C-B8FE-5F636E835EBF}" type="datetimeFigureOut">
               <a:rPr lang="en-US" smtClean="0"/>
-              <a:t>10/1/2017</a:t>
+              <a:t>9/6/2020</a:t>
             </a:fld>
             <a:endParaRPr lang="en-US"/>
           </a:p>
@@ -593,7 +589,7 @@
           <a:p>
             <a:fld id="{32F7251A-AE54-443C-B8FE-5F636E835EBF}" type="datetimeFigureOut">
               <a:rPr lang="en-US" smtClean="0"/>
-              <a:t>10/1/2017</a:t>
+              <a:t>9/6/2020</a:t>
             </a:fld>
             <a:endParaRPr lang="en-US"/>
           </a:p>
@@ -761,7 +757,7 @@
           <a:p>
             <a:fld id="{32F7251A-AE54-443C-B8FE-5F636E835EBF}" type="datetimeFigureOut">
               <a:rPr lang="en-US" smtClean="0"/>
-              <a:t>10/1/2017</a:t>
+              <a:t>9/6/2020</a:t>
             </a:fld>
             <a:endParaRPr lang="en-US"/>
           </a:p>
@@ -1006,7 +1002,7 @@
           <a:p>
             <a:fld id="{32F7251A-AE54-443C-B8FE-5F636E835EBF}" type="datetimeFigureOut">
               <a:rPr lang="en-US" smtClean="0"/>
-              <a:t>10/1/2017</a:t>
+              <a:t>9/6/2020</a:t>
             </a:fld>
             <a:endParaRPr lang="en-US"/>
           </a:p>
@@ -1235,7 +1231,7 @@
           <a:p>
             <a:fld id="{32F7251A-AE54-443C-B8FE-5F636E835EBF}" type="datetimeFigureOut">
               <a:rPr lang="en-US" smtClean="0"/>
-              <a:t>10/1/2017</a:t>
+              <a:t>9/6/2020</a:t>
             </a:fld>
             <a:endParaRPr lang="en-US"/>
           </a:p>
@@ -1599,7 +1595,7 @@
           <a:p>
             <a:fld id="{32F7251A-AE54-443C-B8FE-5F636E835EBF}" type="datetimeFigureOut">
               <a:rPr lang="en-US" smtClean="0"/>
-              <a:t>10/1/2017</a:t>
+              <a:t>9/6/2020</a:t>
             </a:fld>
             <a:endParaRPr lang="en-US"/>
           </a:p>
@@ -1716,7 +1712,7 @@
           <a:p>
             <a:fld id="{32F7251A-AE54-443C-B8FE-5F636E835EBF}" type="datetimeFigureOut">
               <a:rPr lang="en-US" smtClean="0"/>
-              <a:t>10/1/2017</a:t>
+              <a:t>9/6/2020</a:t>
             </a:fld>
             <a:endParaRPr lang="en-US"/>
           </a:p>
@@ -1811,7 +1807,7 @@
           <a:p>
             <a:fld id="{32F7251A-AE54-443C-B8FE-5F636E835EBF}" type="datetimeFigureOut">
               <a:rPr lang="en-US" smtClean="0"/>
-              <a:t>10/1/2017</a:t>
+              <a:t>9/6/2020</a:t>
             </a:fld>
             <a:endParaRPr lang="en-US"/>
           </a:p>
@@ -2086,7 +2082,7 @@
           <a:p>
             <a:fld id="{32F7251A-AE54-443C-B8FE-5F636E835EBF}" type="datetimeFigureOut">
               <a:rPr lang="en-US" smtClean="0"/>
-              <a:t>10/1/2017</a:t>
+              <a:t>9/6/2020</a:t>
             </a:fld>
             <a:endParaRPr lang="en-US"/>
           </a:p>
@@ -2338,7 +2334,7 @@
           <a:p>
             <a:fld id="{32F7251A-AE54-443C-B8FE-5F636E835EBF}" type="datetimeFigureOut">
               <a:rPr lang="en-US" smtClean="0"/>
-              <a:t>10/1/2017</a:t>
+              <a:t>9/6/2020</a:t>
             </a:fld>
             <a:endParaRPr lang="en-US"/>
           </a:p>
@@ -2405,7 +2401,9 @@
     <p:bg>
       <p:bgPr>
         <a:solidFill>
-          <a:srgbClr val="333333"/>
+          <a:schemeClr val="bg1">
+            <a:lumMod val="10000"/>
+          </a:schemeClr>
         </a:solidFill>
         <a:effectLst/>
       </p:bgPr>
@@ -2552,7 +2550,7 @@
           <a:p>
             <a:fld id="{32F7251A-AE54-443C-B8FE-5F636E835EBF}" type="datetimeFigureOut">
               <a:rPr lang="en-US" smtClean="0"/>
-              <a:t>10/1/2017</a:t>
+              <a:t>9/6/2020</a:t>
             </a:fld>
             <a:endParaRPr lang="en-US"/>
           </a:p>
@@ -3022,8 +3020,8 @@
         </p:nvSpPr>
         <p:spPr>
           <a:xfrm>
-            <a:off x="0" y="5804209"/>
-            <a:ext cx="12192000" cy="830997"/>
+            <a:off x="0" y="5927320"/>
+            <a:ext cx="12192000" cy="584775"/>
           </a:xfrm>
           <a:prstGeom prst="rect">
             <a:avLst/>
@@ -3038,10 +3036,12 @@
           <a:p>
             <a:pPr algn="ctr"/>
             <a:r>
-              <a:rPr lang="en-US" sz="4800" dirty="0">
+              <a:rPr lang="en-US" sz="3200" u="sng" dirty="0">
                 <a:solidFill>
                   <a:schemeClr val="bg1"/>
                 </a:solidFill>
+                <a:latin typeface="Assistant SemiBold" panose="00000700000000000000" pitchFamily="2" charset="-79"/>
+                <a:cs typeface="Assistant SemiBold" panose="00000700000000000000" pitchFamily="2" charset="-79"/>
               </a:rPr>
               <a:t>“According to Thy Gracious Word”</a:t>
             </a:r>
@@ -3056,8 +3056,8 @@
         </p:nvSpPr>
         <p:spPr>
           <a:xfrm>
-            <a:off x="0" y="239869"/>
-            <a:ext cx="12192000" cy="5078313"/>
+            <a:off x="0" y="574848"/>
+            <a:ext cx="12192000" cy="3970318"/>
           </a:xfrm>
           <a:prstGeom prst="rect">
             <a:avLst/>
@@ -3072,10 +3072,12 @@
           <a:p>
             <a:pPr algn="ctr"/>
             <a:r>
-              <a:rPr lang="en-US" sz="3600" dirty="0">
+              <a:rPr lang="en-US" sz="2800" spc="50" dirty="0">
                 <a:solidFill>
                   <a:schemeClr val="bg1"/>
                 </a:solidFill>
+                <a:latin typeface="Assistant" panose="00000500000000000000" pitchFamily="2" charset="-79"/>
+                <a:cs typeface="Assistant" panose="00000500000000000000" pitchFamily="2" charset="-79"/>
               </a:rPr>
               <a:t>According to Thy gracious word,</a:t>
             </a:r>
@@ -3083,10 +3085,12 @@
           <a:p>
             <a:pPr algn="ctr"/>
             <a:r>
-              <a:rPr lang="en-US" sz="3600" dirty="0">
+              <a:rPr lang="en-US" sz="2800" spc="50" dirty="0">
                 <a:solidFill>
                   <a:schemeClr val="bg1"/>
                 </a:solidFill>
+                <a:latin typeface="Assistant" panose="00000500000000000000" pitchFamily="2" charset="-79"/>
+                <a:cs typeface="Assistant" panose="00000500000000000000" pitchFamily="2" charset="-79"/>
               </a:rPr>
               <a:t>In meek humility,</a:t>
             </a:r>
@@ -3094,44 +3098,54 @@
           <a:p>
             <a:pPr algn="ctr"/>
             <a:r>
-              <a:rPr lang="en-US" sz="3600" dirty="0">
+              <a:rPr lang="en-US" sz="2800" spc="50" dirty="0">
                 <a:solidFill>
                   <a:schemeClr val="bg1"/>
                 </a:solidFill>
+                <a:latin typeface="Assistant" panose="00000500000000000000" pitchFamily="2" charset="-79"/>
+                <a:cs typeface="Assistant" panose="00000500000000000000" pitchFamily="2" charset="-79"/>
               </a:rPr>
               <a:t>This will I do, my dying Lord,</a:t>
             </a:r>
             <a:br>
-              <a:rPr lang="en-US" sz="3600" dirty="0">
+              <a:rPr lang="en-US" sz="2800" spc="50" dirty="0">
                 <a:solidFill>
                   <a:schemeClr val="bg1"/>
                 </a:solidFill>
+                <a:latin typeface="Assistant" panose="00000500000000000000" pitchFamily="2" charset="-79"/>
+                <a:cs typeface="Assistant" panose="00000500000000000000" pitchFamily="2" charset="-79"/>
               </a:rPr>
             </a:br>
             <a:r>
-              <a:rPr lang="en-US" sz="3600" dirty="0">
+              <a:rPr lang="en-US" sz="2800" spc="50" dirty="0">
                 <a:solidFill>
                   <a:schemeClr val="bg1"/>
                 </a:solidFill>
+                <a:latin typeface="Assistant" panose="00000500000000000000" pitchFamily="2" charset="-79"/>
+                <a:cs typeface="Assistant" panose="00000500000000000000" pitchFamily="2" charset="-79"/>
               </a:rPr>
               <a:t>I will remember Thee.</a:t>
             </a:r>
           </a:p>
           <a:p>
             <a:pPr algn="ctr"/>
-            <a:endParaRPr lang="en-US" sz="3600" dirty="0">
+            <a:endParaRPr lang="en-US" sz="2800" spc="50" dirty="0">
               <a:solidFill>
                 <a:schemeClr val="bg1"/>
               </a:solidFill>
+              <a:latin typeface="Assistant" panose="00000500000000000000" pitchFamily="2" charset="-79"/>
+              <a:cs typeface="Assistant" panose="00000500000000000000" pitchFamily="2" charset="-79"/>
             </a:endParaRPr>
           </a:p>
           <a:p>
             <a:pPr algn="ctr"/>
             <a:r>
-              <a:rPr lang="en-US" sz="3600" dirty="0">
+              <a:rPr lang="en-US" sz="2800" spc="50" dirty="0">
                 <a:solidFill>
                   <a:schemeClr val="bg1"/>
                 </a:solidFill>
+                <a:latin typeface="Assistant" panose="00000500000000000000" pitchFamily="2" charset="-79"/>
+                <a:cs typeface="Assistant" panose="00000500000000000000" pitchFamily="2" charset="-79"/>
               </a:rPr>
               <a:t>Thy body, broken for my sake,</a:t>
             </a:r>
@@ -3139,10 +3153,12 @@
           <a:p>
             <a:pPr algn="ctr"/>
             <a:r>
-              <a:rPr lang="en-US" sz="3600" dirty="0">
+              <a:rPr lang="en-US" sz="2800" spc="50" dirty="0">
                 <a:solidFill>
                   <a:schemeClr val="bg1"/>
                 </a:solidFill>
+                <a:latin typeface="Assistant" panose="00000500000000000000" pitchFamily="2" charset="-79"/>
+                <a:cs typeface="Assistant" panose="00000500000000000000" pitchFamily="2" charset="-79"/>
               </a:rPr>
               <a:t>My bread from heaven shall be;</a:t>
             </a:r>
@@ -3150,10 +3166,12 @@
           <a:p>
             <a:pPr algn="ctr"/>
             <a:r>
-              <a:rPr lang="en-US" sz="3600" dirty="0">
+              <a:rPr lang="en-US" sz="2800" spc="50" dirty="0">
                 <a:solidFill>
                   <a:schemeClr val="bg1"/>
                 </a:solidFill>
+                <a:latin typeface="Assistant" panose="00000500000000000000" pitchFamily="2" charset="-79"/>
+                <a:cs typeface="Assistant" panose="00000500000000000000" pitchFamily="2" charset="-79"/>
               </a:rPr>
               <a:t>The cup, Thy precious blood I take,</a:t>
             </a:r>
@@ -3161,10 +3179,12 @@
           <a:p>
             <a:pPr algn="ctr"/>
             <a:r>
-              <a:rPr lang="en-US" sz="3600" dirty="0">
+              <a:rPr lang="en-US" sz="2800" spc="50" dirty="0">
                 <a:solidFill>
                   <a:schemeClr val="bg1"/>
                 </a:solidFill>
+                <a:latin typeface="Assistant" panose="00000500000000000000" pitchFamily="2" charset="-79"/>
+                <a:cs typeface="Assistant" panose="00000500000000000000" pitchFamily="2" charset="-79"/>
               </a:rPr>
               <a:t>And thus remember Thee.</a:t>
             </a:r>
@@ -3266,8 +3286,8 @@
         </p:nvSpPr>
         <p:spPr>
           <a:xfrm>
-            <a:off x="0" y="5804209"/>
-            <a:ext cx="12192000" cy="830997"/>
+            <a:off x="0" y="5927320"/>
+            <a:ext cx="12192000" cy="584775"/>
           </a:xfrm>
           <a:prstGeom prst="rect">
             <a:avLst/>
@@ -3282,10 +3302,12 @@
           <a:p>
             <a:pPr algn="ctr"/>
             <a:r>
-              <a:rPr lang="en-US" sz="4800" dirty="0">
+              <a:rPr lang="en-US" sz="3200" u="sng" dirty="0">
                 <a:solidFill>
                   <a:schemeClr val="bg1"/>
                 </a:solidFill>
+                <a:latin typeface="Assistant SemiBold" panose="00000700000000000000" pitchFamily="2" charset="-79"/>
+                <a:cs typeface="Assistant SemiBold" panose="00000700000000000000" pitchFamily="2" charset="-79"/>
               </a:rPr>
               <a:t>“According to Thy Gracious Word”</a:t>
             </a:r>
@@ -3300,8 +3322,8 @@
         </p:nvSpPr>
         <p:spPr>
           <a:xfrm>
-            <a:off x="0" y="239869"/>
-            <a:ext cx="12192000" cy="5078313"/>
+            <a:off x="0" y="629168"/>
+            <a:ext cx="12192000" cy="3970318"/>
           </a:xfrm>
           <a:prstGeom prst="rect">
             <a:avLst/>
@@ -3316,10 +3338,12 @@
           <a:p>
             <a:pPr algn="ctr"/>
             <a:r>
-              <a:rPr lang="en-US" sz="3600" dirty="0">
+              <a:rPr lang="en-US" sz="2800" spc="50" dirty="0">
                 <a:solidFill>
                   <a:schemeClr val="bg1"/>
                 </a:solidFill>
+                <a:latin typeface="Assistant" panose="00000500000000000000" pitchFamily="2" charset="-79"/>
+                <a:cs typeface="Assistant" panose="00000500000000000000" pitchFamily="2" charset="-79"/>
               </a:rPr>
               <a:t>Gethsemane, can I forget?</a:t>
             </a:r>
@@ -3327,10 +3351,12 @@
           <a:p>
             <a:pPr algn="ctr"/>
             <a:r>
-              <a:rPr lang="en-US" sz="3600" dirty="0">
+              <a:rPr lang="en-US" sz="2800" spc="50" dirty="0">
                 <a:solidFill>
                   <a:schemeClr val="bg1"/>
                 </a:solidFill>
+                <a:latin typeface="Assistant" panose="00000500000000000000" pitchFamily="2" charset="-79"/>
+                <a:cs typeface="Assistant" panose="00000500000000000000" pitchFamily="2" charset="-79"/>
               </a:rPr>
               <a:t>Or there Thy conflict see,</a:t>
             </a:r>
@@ -3338,10 +3364,12 @@
           <a:p>
             <a:pPr algn="ctr"/>
             <a:r>
-              <a:rPr lang="en-US" sz="3600" dirty="0">
+              <a:rPr lang="en-US" sz="2800" spc="50" dirty="0">
                 <a:solidFill>
                   <a:schemeClr val="bg1"/>
                 </a:solidFill>
+                <a:latin typeface="Assistant" panose="00000500000000000000" pitchFamily="2" charset="-79"/>
+                <a:cs typeface="Assistant" panose="00000500000000000000" pitchFamily="2" charset="-79"/>
               </a:rPr>
               <a:t>Thine agony and bloody sweat,</a:t>
             </a:r>
@@ -3349,29 +3377,35 @@
           <a:p>
             <a:pPr algn="ctr"/>
             <a:r>
-              <a:rPr lang="en-US" sz="3600" dirty="0">
+              <a:rPr lang="en-US" sz="2800" spc="50" dirty="0">
                 <a:solidFill>
                   <a:schemeClr val="bg1"/>
                 </a:solidFill>
+                <a:latin typeface="Assistant" panose="00000500000000000000" pitchFamily="2" charset="-79"/>
+                <a:cs typeface="Assistant" panose="00000500000000000000" pitchFamily="2" charset="-79"/>
               </a:rPr>
               <a:t>And not remember Thee.</a:t>
             </a:r>
           </a:p>
           <a:p>
             <a:pPr algn="ctr"/>
-            <a:endParaRPr lang="en-US" sz="3600" dirty="0">
+            <a:endParaRPr lang="en-US" sz="2800" spc="50" dirty="0">
               <a:solidFill>
                 <a:schemeClr val="bg1"/>
               </a:solidFill>
+              <a:latin typeface="Assistant" panose="00000500000000000000" pitchFamily="2" charset="-79"/>
+              <a:cs typeface="Assistant" panose="00000500000000000000" pitchFamily="2" charset="-79"/>
             </a:endParaRPr>
           </a:p>
           <a:p>
             <a:pPr algn="ctr"/>
             <a:r>
-              <a:rPr lang="en-US" sz="3600" dirty="0">
+              <a:rPr lang="en-US" sz="2800" spc="50" dirty="0">
                 <a:solidFill>
                   <a:schemeClr val="bg1"/>
                 </a:solidFill>
+                <a:latin typeface="Assistant" panose="00000500000000000000" pitchFamily="2" charset="-79"/>
+                <a:cs typeface="Assistant" panose="00000500000000000000" pitchFamily="2" charset="-79"/>
               </a:rPr>
               <a:t>When to the cross I turn mine eyes</a:t>
             </a:r>
@@ -3379,10 +3413,12 @@
           <a:p>
             <a:pPr algn="ctr"/>
             <a:r>
-              <a:rPr lang="en-US" sz="3600" dirty="0">
+              <a:rPr lang="en-US" sz="2800" spc="50" dirty="0">
                 <a:solidFill>
                   <a:schemeClr val="bg1"/>
                 </a:solidFill>
+                <a:latin typeface="Assistant" panose="00000500000000000000" pitchFamily="2" charset="-79"/>
+                <a:cs typeface="Assistant" panose="00000500000000000000" pitchFamily="2" charset="-79"/>
               </a:rPr>
               <a:t>And rest on Calvary,</a:t>
             </a:r>
@@ -3390,10 +3426,12 @@
           <a:p>
             <a:pPr algn="ctr"/>
             <a:r>
-              <a:rPr lang="en-US" sz="3600" dirty="0">
+              <a:rPr lang="en-US" sz="2800" spc="50" dirty="0">
                 <a:solidFill>
                   <a:schemeClr val="bg1"/>
                 </a:solidFill>
+                <a:latin typeface="Assistant" panose="00000500000000000000" pitchFamily="2" charset="-79"/>
+                <a:cs typeface="Assistant" panose="00000500000000000000" pitchFamily="2" charset="-79"/>
               </a:rPr>
               <a:t>O Lamb of God, my sacrifice,</a:t>
             </a:r>
@@ -3401,10 +3439,12 @@
           <a:p>
             <a:pPr algn="ctr"/>
             <a:r>
-              <a:rPr lang="en-US" sz="3600" dirty="0">
+              <a:rPr lang="en-US" sz="2800" spc="50" dirty="0">
                 <a:solidFill>
                   <a:schemeClr val="bg1"/>
                 </a:solidFill>
+                <a:latin typeface="Assistant" panose="00000500000000000000" pitchFamily="2" charset="-79"/>
+                <a:cs typeface="Assistant" panose="00000500000000000000" pitchFamily="2" charset="-79"/>
               </a:rPr>
               <a:t>I must remember Thee.</a:t>
             </a:r>
@@ -3506,8 +3546,8 @@
         </p:nvSpPr>
         <p:spPr>
           <a:xfrm>
-            <a:off x="0" y="5804209"/>
-            <a:ext cx="12192000" cy="830997"/>
+            <a:off x="0" y="5927320"/>
+            <a:ext cx="12192000" cy="584775"/>
           </a:xfrm>
           <a:prstGeom prst="rect">
             <a:avLst/>
@@ -3522,10 +3562,12 @@
           <a:p>
             <a:pPr algn="ctr"/>
             <a:r>
-              <a:rPr lang="en-US" sz="4800" dirty="0">
+              <a:rPr lang="en-US" sz="3200" u="sng" dirty="0">
                 <a:solidFill>
                   <a:schemeClr val="bg1"/>
                 </a:solidFill>
+                <a:latin typeface="Assistant SemiBold" panose="00000700000000000000" pitchFamily="2" charset="-79"/>
+                <a:cs typeface="Assistant SemiBold" panose="00000700000000000000" pitchFamily="2" charset="-79"/>
               </a:rPr>
               <a:t>“According to Thy Gracious Word”</a:t>
             </a:r>
@@ -3540,8 +3582,8 @@
         </p:nvSpPr>
         <p:spPr>
           <a:xfrm>
-            <a:off x="0" y="1472322"/>
-            <a:ext cx="12192000" cy="2308324"/>
+            <a:off x="0" y="1613118"/>
+            <a:ext cx="12192000" cy="1815882"/>
           </a:xfrm>
           <a:prstGeom prst="rect">
             <a:avLst/>
@@ -3556,10 +3598,12 @@
           <a:p>
             <a:pPr algn="ctr"/>
             <a:r>
-              <a:rPr lang="en-US" sz="3600" dirty="0">
+              <a:rPr lang="en-US" sz="2800" spc="50" dirty="0">
                 <a:solidFill>
                   <a:schemeClr val="bg1"/>
                 </a:solidFill>
+                <a:latin typeface="Assistant" panose="00000500000000000000" pitchFamily="2" charset="-79"/>
+                <a:cs typeface="Assistant" panose="00000500000000000000" pitchFamily="2" charset="-79"/>
               </a:rPr>
               <a:t>And when these failing lips grow dumb,</a:t>
             </a:r>
@@ -3567,10 +3611,12 @@
           <a:p>
             <a:pPr algn="ctr"/>
             <a:r>
-              <a:rPr lang="en-US" sz="3600" dirty="0">
+              <a:rPr lang="en-US" sz="2800" spc="50" dirty="0">
                 <a:solidFill>
                   <a:schemeClr val="bg1"/>
                 </a:solidFill>
+                <a:latin typeface="Assistant" panose="00000500000000000000" pitchFamily="2" charset="-79"/>
+                <a:cs typeface="Assistant" panose="00000500000000000000" pitchFamily="2" charset="-79"/>
               </a:rPr>
               <a:t>And mind and memory flee,</a:t>
             </a:r>
@@ -3578,21 +3624,45 @@
           <a:p>
             <a:pPr algn="ctr"/>
             <a:r>
-              <a:rPr lang="en-US" sz="3600" dirty="0">
+              <a:rPr lang="en-US" sz="2800" spc="50" dirty="0">
                 <a:solidFill>
                   <a:schemeClr val="bg1"/>
                 </a:solidFill>
+                <a:latin typeface="Assistant" panose="00000500000000000000" pitchFamily="2" charset="-79"/>
+                <a:cs typeface="Assistant" panose="00000500000000000000" pitchFamily="2" charset="-79"/>
               </a:rPr>
-              <a:t>When Thou shalt in Thy Kingdome come,</a:t>
-            </a:r>
-          </a:p>
-          <a:p>
-            <a:pPr algn="ctr"/>
-            <a:r>
-              <a:rPr lang="en-US" sz="3600" dirty="0">
+              <a:t>When Thou shalt in </a:t>
+            </a:r>
+            <a:r>
+              <a:rPr lang="en-US" sz="2800" spc="50">
                 <a:solidFill>
                   <a:schemeClr val="bg1"/>
                 </a:solidFill>
+                <a:latin typeface="Assistant" panose="00000500000000000000" pitchFamily="2" charset="-79"/>
+                <a:cs typeface="Assistant" panose="00000500000000000000" pitchFamily="2" charset="-79"/>
+              </a:rPr>
+              <a:t>Thy Kingdom </a:t>
+            </a:r>
+            <a:r>
+              <a:rPr lang="en-US" sz="2800" spc="50" dirty="0">
+                <a:solidFill>
+                  <a:schemeClr val="bg1"/>
+                </a:solidFill>
+                <a:latin typeface="Assistant" panose="00000500000000000000" pitchFamily="2" charset="-79"/>
+                <a:cs typeface="Assistant" panose="00000500000000000000" pitchFamily="2" charset="-79"/>
+              </a:rPr>
+              <a:t>come,</a:t>
+            </a:r>
+          </a:p>
+          <a:p>
+            <a:pPr algn="ctr"/>
+            <a:r>
+              <a:rPr lang="en-US" sz="2800" spc="50" dirty="0">
+                <a:solidFill>
+                  <a:schemeClr val="bg1"/>
+                </a:solidFill>
+                <a:latin typeface="Assistant" panose="00000500000000000000" pitchFamily="2" charset="-79"/>
+                <a:cs typeface="Assistant" panose="00000500000000000000" pitchFamily="2" charset="-79"/>
               </a:rPr>
               <a:t>Then, Lord, remember me.</a:t>
             </a:r>
